--- a/social media hashtag trend analyzer.pptx
+++ b/social media hashtag trend analyzer.pptx
@@ -7,11 +7,10 @@
   <p:sldIdLst>
     <p:sldId id="256" r:id="rId2"/>
     <p:sldId id="257" r:id="rId3"/>
-    <p:sldId id="258" r:id="rId4"/>
-    <p:sldId id="259" r:id="rId5"/>
-    <p:sldId id="260" r:id="rId6"/>
-    <p:sldId id="261" r:id="rId7"/>
-    <p:sldId id="269" r:id="rId8"/>
+    <p:sldId id="259" r:id="rId4"/>
+    <p:sldId id="260" r:id="rId5"/>
+    <p:sldId id="261" r:id="rId6"/>
+    <p:sldId id="269" r:id="rId7"/>
   </p:sldIdLst>
   <p:sldSz cx="18300700" cy="10299700"/>
   <p:notesSz cx="18300700" cy="10299700"/>
@@ -268,7 +267,7 @@
           <a:p>
             <a:fld id="{1D8BD707-D9CF-40AE-B4C6-C98DA3205C09}" type="datetimeFigureOut">
               <a:rPr lang="en-US"/>
-              <a:t>22-Jul-24</a:t>
+              <a:t>30-Jul-24</a:t>
             </a:fld>
             <a:endParaRPr lang="en-US"/>
           </a:p>
@@ -439,7 +438,7 @@
           <a:p>
             <a:fld id="{1D8BD707-D9CF-40AE-B4C6-C98DA3205C09}" type="datetimeFigureOut">
               <a:rPr lang="en-US"/>
-              <a:t>22-Jul-24</a:t>
+              <a:t>30-Jul-24</a:t>
             </a:fld>
             <a:endParaRPr lang="en-US"/>
           </a:p>
@@ -653,7 +652,7 @@
           <a:p>
             <a:fld id="{1D8BD707-D9CF-40AE-B4C6-C98DA3205C09}" type="datetimeFigureOut">
               <a:rPr lang="en-US"/>
-              <a:t>22-Jul-24</a:t>
+              <a:t>30-Jul-24</a:t>
             </a:fld>
             <a:endParaRPr lang="en-US"/>
           </a:p>
@@ -801,7 +800,7 @@
           <a:p>
             <a:fld id="{1D8BD707-D9CF-40AE-B4C6-C98DA3205C09}" type="datetimeFigureOut">
               <a:rPr lang="en-US"/>
-              <a:t>22-Jul-24</a:t>
+              <a:t>30-Jul-24</a:t>
             </a:fld>
             <a:endParaRPr lang="en-US"/>
           </a:p>
@@ -3190,7 +3189,7 @@
           <a:p>
             <a:fld id="{1D8BD707-D9CF-40AE-B4C6-C98DA3205C09}" type="datetimeFigureOut">
               <a:rPr lang="en-US"/>
-              <a:t>22-Jul-24</a:t>
+              <a:t>30-Jul-24</a:t>
             </a:fld>
             <a:endParaRPr lang="en-US"/>
           </a:p>
@@ -3459,7 +3458,7 @@
           <a:p>
             <a:fld id="{1D8BD707-D9CF-40AE-B4C6-C98DA3205C09}" type="datetimeFigureOut">
               <a:rPr lang="en-US"/>
-              <a:t>22-Jul-24</a:t>
+              <a:t>30-Jul-24</a:t>
             </a:fld>
             <a:endParaRPr lang="en-US"/>
           </a:p>
@@ -7376,2305 +7375,6 @@
         </p:nvSpPr>
         <p:spPr>
           <a:xfrm>
-            <a:off x="9779846" y="2247857"/>
-            <a:ext cx="3200400" cy="754053"/>
-          </a:xfrm>
-          <a:prstGeom prst="rect">
-            <a:avLst/>
-          </a:prstGeom>
-        </p:spPr>
-        <p:txBody>
-          <a:bodyPr vert="horz" wrap="square" lIns="0" tIns="15240" rIns="0" bIns="0" rtlCol="0">
-            <a:spAutoFit/>
-          </a:bodyPr>
-          <a:lstStyle/>
-          <a:p>
-            <a:pPr marL="12700">
-              <a:lnSpc>
-                <a:spcPct val="100000"/>
-              </a:lnSpc>
-              <a:spcBef>
-                <a:spcPts val="120"/>
-              </a:spcBef>
-            </a:pPr>
-            <a:r>
-              <a:rPr lang="en-IN" sz="4800" b="1" spc="65" dirty="0"/>
-              <a:t>Challenges</a:t>
-            </a:r>
-            <a:endParaRPr sz="4400" b="1" dirty="0"/>
-          </a:p>
-        </p:txBody>
-      </p:sp>
-      <p:sp>
-        <p:nvSpPr>
-          <p:cNvPr id="13" name="object 13"/>
-          <p:cNvSpPr/>
-          <p:nvPr/>
-        </p:nvSpPr>
-        <p:spPr>
-          <a:xfrm>
-            <a:off x="15953613" y="946696"/>
-            <a:ext cx="2334895" cy="407034"/>
-          </a:xfrm>
-          <a:custGeom>
-            <a:avLst/>
-            <a:gdLst/>
-            <a:ahLst/>
-            <a:cxnLst/>
-            <a:rect l="l" t="t" r="r" b="b"/>
-            <a:pathLst>
-              <a:path w="2334894" h="407034">
-                <a:moveTo>
-                  <a:pt x="432803" y="0"/>
-                </a:moveTo>
-                <a:lnTo>
-                  <a:pt x="364236" y="4068"/>
-                </a:lnTo>
-                <a:lnTo>
-                  <a:pt x="305397" y="15037"/>
-                </a:lnTo>
-                <a:lnTo>
-                  <a:pt x="255095" y="31045"/>
-                </a:lnTo>
-                <a:lnTo>
-                  <a:pt x="212127" y="50234"/>
-                </a:lnTo>
-                <a:lnTo>
-                  <a:pt x="175291" y="70744"/>
-                </a:lnTo>
-                <a:lnTo>
-                  <a:pt x="110245" y="111314"/>
-                </a:lnTo>
-                <a:lnTo>
-                  <a:pt x="79263" y="126443"/>
-                </a:lnTo>
-                <a:lnTo>
-                  <a:pt x="44495" y="135767"/>
-                </a:lnTo>
-                <a:lnTo>
-                  <a:pt x="0" y="138949"/>
-                </a:lnTo>
-                <a:lnTo>
-                  <a:pt x="0" y="406780"/>
-                </a:lnTo>
-                <a:lnTo>
-                  <a:pt x="68523" y="402657"/>
-                </a:lnTo>
-                <a:lnTo>
-                  <a:pt x="127225" y="391554"/>
-                </a:lnTo>
-                <a:lnTo>
-                  <a:pt x="177355" y="375371"/>
-                </a:lnTo>
-                <a:lnTo>
-                  <a:pt x="220161" y="356008"/>
-                </a:lnTo>
-                <a:lnTo>
-                  <a:pt x="256892" y="335364"/>
-                </a:lnTo>
-                <a:lnTo>
-                  <a:pt x="321927" y="294746"/>
-                </a:lnTo>
-                <a:lnTo>
-                  <a:pt x="352948" y="279616"/>
-                </a:lnTo>
-                <a:lnTo>
-                  <a:pt x="387899" y="270289"/>
-                </a:lnTo>
-                <a:lnTo>
-                  <a:pt x="432816" y="267105"/>
-                </a:lnTo>
-                <a:lnTo>
-                  <a:pt x="2334334" y="267105"/>
-                </a:lnTo>
-                <a:lnTo>
-                  <a:pt x="2334334" y="138949"/>
-                </a:lnTo>
-                <a:lnTo>
-                  <a:pt x="865505" y="138949"/>
-                </a:lnTo>
-                <a:lnTo>
-                  <a:pt x="820642" y="135767"/>
-                </a:lnTo>
-                <a:lnTo>
-                  <a:pt x="785685" y="126443"/>
-                </a:lnTo>
-                <a:lnTo>
-                  <a:pt x="754634" y="111314"/>
-                </a:lnTo>
-                <a:lnTo>
-                  <a:pt x="689582" y="70744"/>
-                </a:lnTo>
-                <a:lnTo>
-                  <a:pt x="652855" y="50234"/>
-                </a:lnTo>
-                <a:lnTo>
-                  <a:pt x="610060" y="31045"/>
-                </a:lnTo>
-                <a:lnTo>
-                  <a:pt x="559952" y="15037"/>
-                </a:lnTo>
-                <a:lnTo>
-                  <a:pt x="501286" y="4068"/>
-                </a:lnTo>
-                <a:lnTo>
-                  <a:pt x="432803" y="0"/>
-                </a:lnTo>
-                <a:close/>
-              </a:path>
-              <a:path w="2334894" h="407034">
-                <a:moveTo>
-                  <a:pt x="1298194" y="267105"/>
-                </a:moveTo>
-                <a:lnTo>
-                  <a:pt x="432816" y="267105"/>
-                </a:lnTo>
-                <a:lnTo>
-                  <a:pt x="477250" y="270289"/>
-                </a:lnTo>
-                <a:lnTo>
-                  <a:pt x="512064" y="279616"/>
-                </a:lnTo>
-                <a:lnTo>
-                  <a:pt x="543258" y="294746"/>
-                </a:lnTo>
-                <a:lnTo>
-                  <a:pt x="576834" y="315340"/>
-                </a:lnTo>
-                <a:lnTo>
-                  <a:pt x="608694" y="335364"/>
-                </a:lnTo>
-                <a:lnTo>
-                  <a:pt x="645409" y="356008"/>
-                </a:lnTo>
-                <a:lnTo>
-                  <a:pt x="688213" y="375371"/>
-                </a:lnTo>
-                <a:lnTo>
-                  <a:pt x="738340" y="391554"/>
-                </a:lnTo>
-                <a:lnTo>
-                  <a:pt x="797026" y="402657"/>
-                </a:lnTo>
-                <a:lnTo>
-                  <a:pt x="865505" y="406780"/>
-                </a:lnTo>
-                <a:lnTo>
-                  <a:pt x="933983" y="402657"/>
-                </a:lnTo>
-                <a:lnTo>
-                  <a:pt x="992669" y="391554"/>
-                </a:lnTo>
-                <a:lnTo>
-                  <a:pt x="1042797" y="375371"/>
-                </a:lnTo>
-                <a:lnTo>
-                  <a:pt x="1085600" y="356008"/>
-                </a:lnTo>
-                <a:lnTo>
-                  <a:pt x="1122315" y="335364"/>
-                </a:lnTo>
-                <a:lnTo>
-                  <a:pt x="1187323" y="294746"/>
-                </a:lnTo>
-                <a:lnTo>
-                  <a:pt x="1218374" y="279616"/>
-                </a:lnTo>
-                <a:lnTo>
-                  <a:pt x="1253331" y="270289"/>
-                </a:lnTo>
-                <a:lnTo>
-                  <a:pt x="1298194" y="267105"/>
-                </a:lnTo>
-                <a:close/>
-              </a:path>
-              <a:path w="2334894" h="407034">
-                <a:moveTo>
-                  <a:pt x="2163699" y="267105"/>
-                </a:moveTo>
-                <a:lnTo>
-                  <a:pt x="1298194" y="267105"/>
-                </a:lnTo>
-                <a:lnTo>
-                  <a:pt x="1342681" y="270289"/>
-                </a:lnTo>
-                <a:lnTo>
-                  <a:pt x="1377489" y="279616"/>
-                </a:lnTo>
-                <a:lnTo>
-                  <a:pt x="1408654" y="294746"/>
-                </a:lnTo>
-                <a:lnTo>
-                  <a:pt x="1442212" y="315340"/>
-                </a:lnTo>
-                <a:lnTo>
-                  <a:pt x="1473852" y="335364"/>
-                </a:lnTo>
-                <a:lnTo>
-                  <a:pt x="1510505" y="356008"/>
-                </a:lnTo>
-                <a:lnTo>
-                  <a:pt x="1553352" y="375371"/>
-                </a:lnTo>
-                <a:lnTo>
-                  <a:pt x="1603577" y="391554"/>
-                </a:lnTo>
-                <a:lnTo>
-                  <a:pt x="1662360" y="402657"/>
-                </a:lnTo>
-                <a:lnTo>
-                  <a:pt x="1730883" y="406780"/>
-                </a:lnTo>
-                <a:lnTo>
-                  <a:pt x="1799406" y="402657"/>
-                </a:lnTo>
-                <a:lnTo>
-                  <a:pt x="1858108" y="391554"/>
-                </a:lnTo>
-                <a:lnTo>
-                  <a:pt x="1908238" y="375371"/>
-                </a:lnTo>
-                <a:lnTo>
-                  <a:pt x="1951044" y="356008"/>
-                </a:lnTo>
-                <a:lnTo>
-                  <a:pt x="1987775" y="335364"/>
-                </a:lnTo>
-                <a:lnTo>
-                  <a:pt x="2052810" y="294746"/>
-                </a:lnTo>
-                <a:lnTo>
-                  <a:pt x="2083831" y="279616"/>
-                </a:lnTo>
-                <a:lnTo>
-                  <a:pt x="2118782" y="270289"/>
-                </a:lnTo>
-                <a:lnTo>
-                  <a:pt x="2163699" y="267105"/>
-                </a:lnTo>
-                <a:close/>
-              </a:path>
-              <a:path w="2334894" h="407034">
-                <a:moveTo>
-                  <a:pt x="2334334" y="267105"/>
-                </a:moveTo>
-                <a:lnTo>
-                  <a:pt x="2163699" y="267105"/>
-                </a:lnTo>
-                <a:lnTo>
-                  <a:pt x="2208121" y="270289"/>
-                </a:lnTo>
-                <a:lnTo>
-                  <a:pt x="2242851" y="279616"/>
-                </a:lnTo>
-                <a:lnTo>
-                  <a:pt x="2273819" y="294746"/>
-                </a:lnTo>
-                <a:lnTo>
-                  <a:pt x="2334334" y="332518"/>
-                </a:lnTo>
-                <a:lnTo>
-                  <a:pt x="2334334" y="267105"/>
-                </a:lnTo>
-                <a:close/>
-              </a:path>
-              <a:path w="2334894" h="407034">
-                <a:moveTo>
-                  <a:pt x="1298181" y="0"/>
-                </a:moveTo>
-                <a:lnTo>
-                  <a:pt x="1229671" y="4068"/>
-                </a:lnTo>
-                <a:lnTo>
-                  <a:pt x="1170888" y="15037"/>
-                </a:lnTo>
-                <a:lnTo>
-                  <a:pt x="1120663" y="31045"/>
-                </a:lnTo>
-                <a:lnTo>
-                  <a:pt x="1077816" y="50234"/>
-                </a:lnTo>
-                <a:lnTo>
-                  <a:pt x="1041163" y="70744"/>
-                </a:lnTo>
-                <a:lnTo>
-                  <a:pt x="1009523" y="90715"/>
-                </a:lnTo>
-                <a:lnTo>
-                  <a:pt x="976054" y="111314"/>
-                </a:lnTo>
-                <a:lnTo>
-                  <a:pt x="945038" y="126443"/>
-                </a:lnTo>
-                <a:lnTo>
-                  <a:pt x="910260" y="135767"/>
-                </a:lnTo>
-                <a:lnTo>
-                  <a:pt x="865505" y="138949"/>
-                </a:lnTo>
-                <a:lnTo>
-                  <a:pt x="1730883" y="138949"/>
-                </a:lnTo>
-                <a:lnTo>
-                  <a:pt x="1686020" y="135767"/>
-                </a:lnTo>
-                <a:lnTo>
-                  <a:pt x="1651063" y="126443"/>
-                </a:lnTo>
-                <a:lnTo>
-                  <a:pt x="1620012" y="111314"/>
-                </a:lnTo>
-                <a:lnTo>
-                  <a:pt x="1555004" y="70744"/>
-                </a:lnTo>
-                <a:lnTo>
-                  <a:pt x="1518289" y="50234"/>
-                </a:lnTo>
-                <a:lnTo>
-                  <a:pt x="1475486" y="31045"/>
-                </a:lnTo>
-                <a:lnTo>
-                  <a:pt x="1425358" y="15037"/>
-                </a:lnTo>
-                <a:lnTo>
-                  <a:pt x="1366672" y="4068"/>
-                </a:lnTo>
-                <a:lnTo>
-                  <a:pt x="1298181" y="0"/>
-                </a:lnTo>
-                <a:close/>
-              </a:path>
-              <a:path w="2334894" h="407034">
-                <a:moveTo>
-                  <a:pt x="2163686" y="0"/>
-                </a:moveTo>
-                <a:lnTo>
-                  <a:pt x="2095122" y="4068"/>
-                </a:lnTo>
-                <a:lnTo>
-                  <a:pt x="2036303" y="15037"/>
-                </a:lnTo>
-                <a:lnTo>
-                  <a:pt x="1986057" y="31045"/>
-                </a:lnTo>
-                <a:lnTo>
-                  <a:pt x="1943198" y="50234"/>
-                </a:lnTo>
-                <a:lnTo>
-                  <a:pt x="1906541" y="70744"/>
-                </a:lnTo>
-                <a:lnTo>
-                  <a:pt x="1874901" y="90715"/>
-                </a:lnTo>
-                <a:lnTo>
-                  <a:pt x="1841396" y="111314"/>
-                </a:lnTo>
-                <a:lnTo>
-                  <a:pt x="1810226" y="126443"/>
-                </a:lnTo>
-                <a:lnTo>
-                  <a:pt x="1775388" y="135767"/>
-                </a:lnTo>
-                <a:lnTo>
-                  <a:pt x="1730883" y="138949"/>
-                </a:lnTo>
-                <a:lnTo>
-                  <a:pt x="2334334" y="138949"/>
-                </a:lnTo>
-                <a:lnTo>
-                  <a:pt x="2334334" y="29028"/>
-                </a:lnTo>
-                <a:lnTo>
-                  <a:pt x="2290496" y="15037"/>
-                </a:lnTo>
-                <a:lnTo>
-                  <a:pt x="2231904" y="4068"/>
-                </a:lnTo>
-                <a:lnTo>
-                  <a:pt x="2163686" y="0"/>
-                </a:lnTo>
-                <a:close/>
-              </a:path>
-            </a:pathLst>
-          </a:custGeom>
-          <a:solidFill>
-            <a:srgbClr val="FFA900"/>
-          </a:solidFill>
-        </p:spPr>
-        <p:txBody>
-          <a:bodyPr wrap="square" lIns="0" tIns="0" rIns="0" bIns="0" rtlCol="0"/>
-          <a:lstStyle/>
-          <a:p>
-            <a:endParaRPr/>
-          </a:p>
-        </p:txBody>
-      </p:sp>
-      <p:sp>
-        <p:nvSpPr>
-          <p:cNvPr id="14" name="object 14"/>
-          <p:cNvSpPr/>
-          <p:nvPr/>
-        </p:nvSpPr>
-        <p:spPr>
-          <a:xfrm>
-            <a:off x="15953613" y="1510423"/>
-            <a:ext cx="2334895" cy="407034"/>
-          </a:xfrm>
-          <a:custGeom>
-            <a:avLst/>
-            <a:gdLst/>
-            <a:ahLst/>
-            <a:cxnLst/>
-            <a:rect l="l" t="t" r="r" b="b"/>
-            <a:pathLst>
-              <a:path w="2334894" h="407035">
-                <a:moveTo>
-                  <a:pt x="432816" y="0"/>
-                </a:moveTo>
-                <a:lnTo>
-                  <a:pt x="364236" y="4070"/>
-                </a:lnTo>
-                <a:lnTo>
-                  <a:pt x="305397" y="15041"/>
-                </a:lnTo>
-                <a:lnTo>
-                  <a:pt x="255095" y="31051"/>
-                </a:lnTo>
-                <a:lnTo>
-                  <a:pt x="212127" y="50241"/>
-                </a:lnTo>
-                <a:lnTo>
-                  <a:pt x="175291" y="70749"/>
-                </a:lnTo>
-                <a:lnTo>
-                  <a:pt x="110245" y="111315"/>
-                </a:lnTo>
-                <a:lnTo>
-                  <a:pt x="79263" y="126444"/>
-                </a:lnTo>
-                <a:lnTo>
-                  <a:pt x="44495" y="135768"/>
-                </a:lnTo>
-                <a:lnTo>
-                  <a:pt x="0" y="138950"/>
-                </a:lnTo>
-                <a:lnTo>
-                  <a:pt x="0" y="406781"/>
-                </a:lnTo>
-                <a:lnTo>
-                  <a:pt x="68523" y="402657"/>
-                </a:lnTo>
-                <a:lnTo>
-                  <a:pt x="127225" y="391555"/>
-                </a:lnTo>
-                <a:lnTo>
-                  <a:pt x="177355" y="375373"/>
-                </a:lnTo>
-                <a:lnTo>
-                  <a:pt x="220161" y="356012"/>
-                </a:lnTo>
-                <a:lnTo>
-                  <a:pt x="256892" y="335372"/>
-                </a:lnTo>
-                <a:lnTo>
-                  <a:pt x="321927" y="294752"/>
-                </a:lnTo>
-                <a:lnTo>
-                  <a:pt x="352948" y="279619"/>
-                </a:lnTo>
-                <a:lnTo>
-                  <a:pt x="387899" y="270290"/>
-                </a:lnTo>
-                <a:lnTo>
-                  <a:pt x="432816" y="267106"/>
-                </a:lnTo>
-                <a:lnTo>
-                  <a:pt x="2334334" y="267106"/>
-                </a:lnTo>
-                <a:lnTo>
-                  <a:pt x="2334334" y="138950"/>
-                </a:lnTo>
-                <a:lnTo>
-                  <a:pt x="865505" y="138950"/>
-                </a:lnTo>
-                <a:lnTo>
-                  <a:pt x="820642" y="135768"/>
-                </a:lnTo>
-                <a:lnTo>
-                  <a:pt x="785685" y="126444"/>
-                </a:lnTo>
-                <a:lnTo>
-                  <a:pt x="754634" y="111315"/>
-                </a:lnTo>
-                <a:lnTo>
-                  <a:pt x="689582" y="70749"/>
-                </a:lnTo>
-                <a:lnTo>
-                  <a:pt x="652855" y="50241"/>
-                </a:lnTo>
-                <a:lnTo>
-                  <a:pt x="610060" y="31051"/>
-                </a:lnTo>
-                <a:lnTo>
-                  <a:pt x="559952" y="15041"/>
-                </a:lnTo>
-                <a:lnTo>
-                  <a:pt x="501286" y="4070"/>
-                </a:lnTo>
-                <a:lnTo>
-                  <a:pt x="432816" y="0"/>
-                </a:lnTo>
-                <a:close/>
-              </a:path>
-              <a:path w="2334894" h="407035">
-                <a:moveTo>
-                  <a:pt x="1298194" y="267106"/>
-                </a:moveTo>
-                <a:lnTo>
-                  <a:pt x="432816" y="267106"/>
-                </a:lnTo>
-                <a:lnTo>
-                  <a:pt x="477250" y="270290"/>
-                </a:lnTo>
-                <a:lnTo>
-                  <a:pt x="512064" y="279619"/>
-                </a:lnTo>
-                <a:lnTo>
-                  <a:pt x="543258" y="294752"/>
-                </a:lnTo>
-                <a:lnTo>
-                  <a:pt x="576834" y="315353"/>
-                </a:lnTo>
-                <a:lnTo>
-                  <a:pt x="608694" y="335372"/>
-                </a:lnTo>
-                <a:lnTo>
-                  <a:pt x="645409" y="356012"/>
-                </a:lnTo>
-                <a:lnTo>
-                  <a:pt x="688213" y="375373"/>
-                </a:lnTo>
-                <a:lnTo>
-                  <a:pt x="738340" y="391555"/>
-                </a:lnTo>
-                <a:lnTo>
-                  <a:pt x="797026" y="402657"/>
-                </a:lnTo>
-                <a:lnTo>
-                  <a:pt x="865505" y="406781"/>
-                </a:lnTo>
-                <a:lnTo>
-                  <a:pt x="933983" y="402657"/>
-                </a:lnTo>
-                <a:lnTo>
-                  <a:pt x="992669" y="391555"/>
-                </a:lnTo>
-                <a:lnTo>
-                  <a:pt x="1042797" y="375373"/>
-                </a:lnTo>
-                <a:lnTo>
-                  <a:pt x="1085600" y="356012"/>
-                </a:lnTo>
-                <a:lnTo>
-                  <a:pt x="1122315" y="335372"/>
-                </a:lnTo>
-                <a:lnTo>
-                  <a:pt x="1187323" y="294752"/>
-                </a:lnTo>
-                <a:lnTo>
-                  <a:pt x="1218374" y="279619"/>
-                </a:lnTo>
-                <a:lnTo>
-                  <a:pt x="1253331" y="270290"/>
-                </a:lnTo>
-                <a:lnTo>
-                  <a:pt x="1298194" y="267106"/>
-                </a:lnTo>
-                <a:close/>
-              </a:path>
-              <a:path w="2334894" h="407035">
-                <a:moveTo>
-                  <a:pt x="2163699" y="267106"/>
-                </a:moveTo>
-                <a:lnTo>
-                  <a:pt x="1298194" y="267106"/>
-                </a:lnTo>
-                <a:lnTo>
-                  <a:pt x="1342681" y="270290"/>
-                </a:lnTo>
-                <a:lnTo>
-                  <a:pt x="1377489" y="279619"/>
-                </a:lnTo>
-                <a:lnTo>
-                  <a:pt x="1408654" y="294752"/>
-                </a:lnTo>
-                <a:lnTo>
-                  <a:pt x="1442212" y="315353"/>
-                </a:lnTo>
-                <a:lnTo>
-                  <a:pt x="1473852" y="335372"/>
-                </a:lnTo>
-                <a:lnTo>
-                  <a:pt x="1510505" y="356012"/>
-                </a:lnTo>
-                <a:lnTo>
-                  <a:pt x="1553352" y="375373"/>
-                </a:lnTo>
-                <a:lnTo>
-                  <a:pt x="1603577" y="391555"/>
-                </a:lnTo>
-                <a:lnTo>
-                  <a:pt x="1662360" y="402657"/>
-                </a:lnTo>
-                <a:lnTo>
-                  <a:pt x="1730883" y="406781"/>
-                </a:lnTo>
-                <a:lnTo>
-                  <a:pt x="1799406" y="402657"/>
-                </a:lnTo>
-                <a:lnTo>
-                  <a:pt x="1858108" y="391555"/>
-                </a:lnTo>
-                <a:lnTo>
-                  <a:pt x="1908238" y="375373"/>
-                </a:lnTo>
-                <a:lnTo>
-                  <a:pt x="1951044" y="356012"/>
-                </a:lnTo>
-                <a:lnTo>
-                  <a:pt x="1987775" y="335372"/>
-                </a:lnTo>
-                <a:lnTo>
-                  <a:pt x="2052810" y="294752"/>
-                </a:lnTo>
-                <a:lnTo>
-                  <a:pt x="2083831" y="279619"/>
-                </a:lnTo>
-                <a:lnTo>
-                  <a:pt x="2118782" y="270290"/>
-                </a:lnTo>
-                <a:lnTo>
-                  <a:pt x="2163699" y="267106"/>
-                </a:lnTo>
-                <a:close/>
-              </a:path>
-              <a:path w="2334894" h="407035">
-                <a:moveTo>
-                  <a:pt x="2334334" y="267106"/>
-                </a:moveTo>
-                <a:lnTo>
-                  <a:pt x="2163699" y="267106"/>
-                </a:lnTo>
-                <a:lnTo>
-                  <a:pt x="2208121" y="270290"/>
-                </a:lnTo>
-                <a:lnTo>
-                  <a:pt x="2242851" y="279619"/>
-                </a:lnTo>
-                <a:lnTo>
-                  <a:pt x="2273819" y="294752"/>
-                </a:lnTo>
-                <a:lnTo>
-                  <a:pt x="2334334" y="332527"/>
-                </a:lnTo>
-                <a:lnTo>
-                  <a:pt x="2334334" y="267106"/>
-                </a:lnTo>
-                <a:close/>
-              </a:path>
-              <a:path w="2334894" h="407035">
-                <a:moveTo>
-                  <a:pt x="1298194" y="0"/>
-                </a:moveTo>
-                <a:lnTo>
-                  <a:pt x="1229671" y="4070"/>
-                </a:lnTo>
-                <a:lnTo>
-                  <a:pt x="1170888" y="15041"/>
-                </a:lnTo>
-                <a:lnTo>
-                  <a:pt x="1120663" y="31051"/>
-                </a:lnTo>
-                <a:lnTo>
-                  <a:pt x="1077816" y="50241"/>
-                </a:lnTo>
-                <a:lnTo>
-                  <a:pt x="1041163" y="70749"/>
-                </a:lnTo>
-                <a:lnTo>
-                  <a:pt x="1009523" y="90716"/>
-                </a:lnTo>
-                <a:lnTo>
-                  <a:pt x="976054" y="111315"/>
-                </a:lnTo>
-                <a:lnTo>
-                  <a:pt x="945038" y="126444"/>
-                </a:lnTo>
-                <a:lnTo>
-                  <a:pt x="910260" y="135768"/>
-                </a:lnTo>
-                <a:lnTo>
-                  <a:pt x="865505" y="138950"/>
-                </a:lnTo>
-                <a:lnTo>
-                  <a:pt x="1730883" y="138950"/>
-                </a:lnTo>
-                <a:lnTo>
-                  <a:pt x="1686020" y="135768"/>
-                </a:lnTo>
-                <a:lnTo>
-                  <a:pt x="1651063" y="126444"/>
-                </a:lnTo>
-                <a:lnTo>
-                  <a:pt x="1620012" y="111315"/>
-                </a:lnTo>
-                <a:lnTo>
-                  <a:pt x="1555004" y="70749"/>
-                </a:lnTo>
-                <a:lnTo>
-                  <a:pt x="1518289" y="50241"/>
-                </a:lnTo>
-                <a:lnTo>
-                  <a:pt x="1475486" y="31051"/>
-                </a:lnTo>
-                <a:lnTo>
-                  <a:pt x="1425358" y="15041"/>
-                </a:lnTo>
-                <a:lnTo>
-                  <a:pt x="1366672" y="4070"/>
-                </a:lnTo>
-                <a:lnTo>
-                  <a:pt x="1298194" y="0"/>
-                </a:lnTo>
-                <a:close/>
-              </a:path>
-              <a:path w="2334894" h="407035">
-                <a:moveTo>
-                  <a:pt x="2163699" y="0"/>
-                </a:moveTo>
-                <a:lnTo>
-                  <a:pt x="2095122" y="4070"/>
-                </a:lnTo>
-                <a:lnTo>
-                  <a:pt x="2036303" y="15041"/>
-                </a:lnTo>
-                <a:lnTo>
-                  <a:pt x="1986057" y="31051"/>
-                </a:lnTo>
-                <a:lnTo>
-                  <a:pt x="1943198" y="50241"/>
-                </a:lnTo>
-                <a:lnTo>
-                  <a:pt x="1906541" y="70749"/>
-                </a:lnTo>
-                <a:lnTo>
-                  <a:pt x="1874901" y="90716"/>
-                </a:lnTo>
-                <a:lnTo>
-                  <a:pt x="1841396" y="111315"/>
-                </a:lnTo>
-                <a:lnTo>
-                  <a:pt x="1810226" y="126444"/>
-                </a:lnTo>
-                <a:lnTo>
-                  <a:pt x="1775388" y="135768"/>
-                </a:lnTo>
-                <a:lnTo>
-                  <a:pt x="1730883" y="138950"/>
-                </a:lnTo>
-                <a:lnTo>
-                  <a:pt x="2334334" y="138950"/>
-                </a:lnTo>
-                <a:lnTo>
-                  <a:pt x="2334334" y="29033"/>
-                </a:lnTo>
-                <a:lnTo>
-                  <a:pt x="2290496" y="15041"/>
-                </a:lnTo>
-                <a:lnTo>
-                  <a:pt x="2231904" y="4070"/>
-                </a:lnTo>
-                <a:lnTo>
-                  <a:pt x="2163699" y="0"/>
-                </a:lnTo>
-                <a:close/>
-              </a:path>
-            </a:pathLst>
-          </a:custGeom>
-          <a:solidFill>
-            <a:srgbClr val="FFA900"/>
-          </a:solidFill>
-        </p:spPr>
-        <p:txBody>
-          <a:bodyPr wrap="square" lIns="0" tIns="0" rIns="0" bIns="0" rtlCol="0"/>
-          <a:lstStyle/>
-          <a:p>
-            <a:endParaRPr/>
-          </a:p>
-        </p:txBody>
-      </p:sp>
-      <p:sp>
-        <p:nvSpPr>
-          <p:cNvPr id="15" name="TextBox 14">
-            <a:extLst>
-              <a:ext uri="{FF2B5EF4-FFF2-40B4-BE49-F238E27FC236}">
-                <a16:creationId xmlns:a16="http://schemas.microsoft.com/office/drawing/2014/main" id="{343286C4-69DE-335D-E2E3-46B646758AD9}"/>
-              </a:ext>
-            </a:extLst>
-          </p:cNvPr>
-          <p:cNvSpPr txBox="1"/>
-          <p:nvPr/>
-        </p:nvSpPr>
-        <p:spPr>
-          <a:xfrm>
-            <a:off x="9779846" y="3354106"/>
-            <a:ext cx="6658648" cy="2862322"/>
-          </a:xfrm>
-          <a:prstGeom prst="rect">
-            <a:avLst/>
-          </a:prstGeom>
-          <a:noFill/>
-        </p:spPr>
-        <p:txBody>
-          <a:bodyPr wrap="square" rtlCol="0">
-            <a:spAutoFit/>
-          </a:bodyPr>
-          <a:lstStyle/>
-          <a:p>
-            <a:pPr marL="285750" indent="-285750">
-              <a:buFont typeface="Arial" panose="020B0604020202020204" pitchFamily="34" charset="0"/>
-              <a:buChar char="•"/>
-            </a:pPr>
-            <a:r>
-              <a:rPr lang="en-US" sz="3600" dirty="0">
-                <a:solidFill>
-                  <a:schemeClr val="accent6">
-                    <a:lumMod val="75000"/>
-                  </a:schemeClr>
-                </a:solidFill>
-              </a:rPr>
-              <a:t>Time Consuming</a:t>
-            </a:r>
-          </a:p>
-          <a:p>
-            <a:pPr marL="285750" indent="-285750">
-              <a:buFont typeface="Arial" panose="020B0604020202020204" pitchFamily="34" charset="0"/>
-              <a:buChar char="•"/>
-            </a:pPr>
-            <a:r>
-              <a:rPr lang="en-IN" sz="3600" dirty="0">
-                <a:solidFill>
-                  <a:schemeClr val="accent6">
-                    <a:lumMod val="75000"/>
-                  </a:schemeClr>
-                </a:solidFill>
-              </a:rPr>
-              <a:t>Data Volume</a:t>
-            </a:r>
-            <a:endParaRPr lang="en-US" sz="3600" dirty="0">
-              <a:solidFill>
-                <a:schemeClr val="accent6">
-                  <a:lumMod val="75000"/>
-                </a:schemeClr>
-              </a:solidFill>
-            </a:endParaRPr>
-          </a:p>
-          <a:p>
-            <a:pPr marL="285750" indent="-285750">
-              <a:buFont typeface="Arial" panose="020B0604020202020204" pitchFamily="34" charset="0"/>
-              <a:buChar char="•"/>
-            </a:pPr>
-            <a:r>
-              <a:rPr lang="en-IN" sz="3600" dirty="0">
-                <a:solidFill>
-                  <a:schemeClr val="accent6">
-                    <a:lumMod val="75000"/>
-                  </a:schemeClr>
-                </a:solidFill>
-              </a:rPr>
-              <a:t>Inaccuracy</a:t>
-            </a:r>
-            <a:endParaRPr lang="en-US" sz="3600" dirty="0">
-              <a:solidFill>
-                <a:schemeClr val="accent6">
-                  <a:lumMod val="75000"/>
-                </a:schemeClr>
-              </a:solidFill>
-            </a:endParaRPr>
-          </a:p>
-          <a:p>
-            <a:pPr marL="285750" indent="-285750">
-              <a:buFont typeface="Arial" panose="020B0604020202020204" pitchFamily="34" charset="0"/>
-              <a:buChar char="•"/>
-            </a:pPr>
-            <a:r>
-              <a:rPr lang="en-IN" sz="3600" dirty="0">
-                <a:solidFill>
-                  <a:schemeClr val="accent6">
-                    <a:lumMod val="75000"/>
-                  </a:schemeClr>
-                </a:solidFill>
-              </a:rPr>
-              <a:t>Inefficiency in Data Processing</a:t>
-            </a:r>
-          </a:p>
-          <a:p>
-            <a:pPr marL="285750" indent="-285750">
-              <a:buFont typeface="Arial" panose="020B0604020202020204" pitchFamily="34" charset="0"/>
-              <a:buChar char="•"/>
-            </a:pPr>
-            <a:r>
-              <a:rPr lang="en-IN" sz="3600" dirty="0">
-                <a:solidFill>
-                  <a:schemeClr val="accent6">
-                    <a:lumMod val="75000"/>
-                  </a:schemeClr>
-                </a:solidFill>
-              </a:rPr>
-              <a:t>Scalability Issues</a:t>
-            </a:r>
-          </a:p>
-        </p:txBody>
-      </p:sp>
-      <p:pic>
-        <p:nvPicPr>
-          <p:cNvPr id="17" name="Picture 16" descr="A person standing on a white surface with a white arrow pointing to a large black ball with chains and a chain with a blue background&#10;&#10;Description automatically generated">
-            <a:extLst>
-              <a:ext uri="{FF2B5EF4-FFF2-40B4-BE49-F238E27FC236}">
-                <a16:creationId xmlns:a16="http://schemas.microsoft.com/office/drawing/2014/main" id="{FECB5D49-ACA1-BE8B-0775-F0ECF862586F}"/>
-              </a:ext>
-            </a:extLst>
-          </p:cNvPr>
-          <p:cNvPicPr>
-            <a:picLocks noChangeAspect="1"/>
-          </p:cNvPicPr>
-          <p:nvPr/>
-        </p:nvPicPr>
-        <p:blipFill>
-          <a:blip r:embed="rId2">
-            <a:extLst>
-              <a:ext uri="{28A0092B-C50C-407E-A947-70E740481C1C}">
-                <a14:useLocalDpi xmlns:a14="http://schemas.microsoft.com/office/drawing/2010/main" val="0"/>
-              </a:ext>
-            </a:extLst>
-          </a:blip>
-          <a:stretch>
-            <a:fillRect/>
-          </a:stretch>
-        </p:blipFill>
-        <p:spPr>
-          <a:xfrm>
-            <a:off x="614159" y="2188016"/>
-            <a:ext cx="7906697" cy="5095434"/>
-          </a:xfrm>
-          <a:prstGeom prst="rect">
-            <a:avLst/>
-          </a:prstGeom>
-        </p:spPr>
-      </p:pic>
-    </p:spTree>
-  </p:cSld>
-  <p:clrMapOvr>
-    <a:masterClrMapping/>
-  </p:clrMapOvr>
-</p:sld>
-</file>
-
-<file path=ppt/slides/slide4.xml><?xml version="1.0" encoding="utf-8"?>
-<p:sld xmlns:a="http://schemas.openxmlformats.org/drawingml/2006/main" xmlns:r="http://schemas.openxmlformats.org/officeDocument/2006/relationships" xmlns:p="http://schemas.openxmlformats.org/presentationml/2006/main">
-  <p:cSld>
-    <p:spTree>
-      <p:nvGrpSpPr>
-        <p:cNvPr id="1" name=""/>
-        <p:cNvGrpSpPr/>
-        <p:nvPr/>
-      </p:nvGrpSpPr>
-      <p:grpSpPr>
-        <a:xfrm>
-          <a:off x="0" y="0"/>
-          <a:ext cx="0" cy="0"/>
-          <a:chOff x="0" y="0"/>
-          <a:chExt cx="0" cy="0"/>
-        </a:xfrm>
-      </p:grpSpPr>
-      <p:grpSp>
-        <p:nvGrpSpPr>
-          <p:cNvPr id="2" name="object 2"/>
-          <p:cNvGrpSpPr/>
-          <p:nvPr/>
-        </p:nvGrpSpPr>
-        <p:grpSpPr>
-          <a:xfrm>
-            <a:off x="302967" y="9386861"/>
-            <a:ext cx="1819275" cy="900430"/>
-            <a:chOff x="302967" y="9386861"/>
-            <a:chExt cx="1819275" cy="900430"/>
-          </a:xfrm>
-        </p:grpSpPr>
-        <p:sp>
-          <p:nvSpPr>
-            <p:cNvPr id="3" name="object 3"/>
-            <p:cNvSpPr/>
-            <p:nvPr/>
-          </p:nvSpPr>
-          <p:spPr>
-            <a:xfrm>
-              <a:off x="302967" y="9386861"/>
-              <a:ext cx="1819275" cy="900430"/>
-            </a:xfrm>
-            <a:custGeom>
-              <a:avLst/>
-              <a:gdLst/>
-              <a:ahLst/>
-              <a:cxnLst/>
-              <a:rect l="l" t="t" r="r" b="b"/>
-              <a:pathLst>
-                <a:path w="1819275" h="900429">
-                  <a:moveTo>
-                    <a:pt x="910488" y="0"/>
-                  </a:moveTo>
-                  <a:lnTo>
-                    <a:pt x="862094" y="1263"/>
-                  </a:lnTo>
-                  <a:lnTo>
-                    <a:pt x="814361" y="5012"/>
-                  </a:lnTo>
-                  <a:lnTo>
-                    <a:pt x="767352" y="11184"/>
-                  </a:lnTo>
-                  <a:lnTo>
-                    <a:pt x="721129" y="19714"/>
-                  </a:lnTo>
-                  <a:lnTo>
-                    <a:pt x="675755" y="30540"/>
-                  </a:lnTo>
-                  <a:lnTo>
-                    <a:pt x="631293" y="43598"/>
-                  </a:lnTo>
-                  <a:lnTo>
-                    <a:pt x="587805" y="58826"/>
-                  </a:lnTo>
-                  <a:lnTo>
-                    <a:pt x="545355" y="76160"/>
-                  </a:lnTo>
-                  <a:lnTo>
-                    <a:pt x="504005" y="95537"/>
-                  </a:lnTo>
-                  <a:lnTo>
-                    <a:pt x="463818" y="116893"/>
-                  </a:lnTo>
-                  <a:lnTo>
-                    <a:pt x="424856" y="140166"/>
-                  </a:lnTo>
-                  <a:lnTo>
-                    <a:pt x="387183" y="165291"/>
-                  </a:lnTo>
-                  <a:lnTo>
-                    <a:pt x="350862" y="192207"/>
-                  </a:lnTo>
-                  <a:lnTo>
-                    <a:pt x="315954" y="220850"/>
-                  </a:lnTo>
-                  <a:lnTo>
-                    <a:pt x="282524" y="251156"/>
-                  </a:lnTo>
-                  <a:lnTo>
-                    <a:pt x="250633" y="283062"/>
-                  </a:lnTo>
-                  <a:lnTo>
-                    <a:pt x="220345" y="316506"/>
-                  </a:lnTo>
-                  <a:lnTo>
-                    <a:pt x="191721" y="351423"/>
-                  </a:lnTo>
-                  <a:lnTo>
-                    <a:pt x="164826" y="387751"/>
-                  </a:lnTo>
-                  <a:lnTo>
-                    <a:pt x="139722" y="425426"/>
-                  </a:lnTo>
-                  <a:lnTo>
-                    <a:pt x="116471" y="464386"/>
-                  </a:lnTo>
-                  <a:lnTo>
-                    <a:pt x="95137" y="504566"/>
-                  </a:lnTo>
-                  <a:lnTo>
-                    <a:pt x="75781" y="545904"/>
-                  </a:lnTo>
-                  <a:lnTo>
-                    <a:pt x="58468" y="588337"/>
-                  </a:lnTo>
-                  <a:lnTo>
-                    <a:pt x="43260" y="631801"/>
-                  </a:lnTo>
-                  <a:lnTo>
-                    <a:pt x="30218" y="676234"/>
-                  </a:lnTo>
-                  <a:lnTo>
-                    <a:pt x="19408" y="721571"/>
-                  </a:lnTo>
-                  <a:lnTo>
-                    <a:pt x="10890" y="767749"/>
-                  </a:lnTo>
-                  <a:lnTo>
-                    <a:pt x="4728" y="814707"/>
-                  </a:lnTo>
-                  <a:lnTo>
-                    <a:pt x="985" y="862379"/>
-                  </a:lnTo>
-                  <a:lnTo>
-                    <a:pt x="0" y="900137"/>
-                  </a:lnTo>
-                  <a:lnTo>
-                    <a:pt x="154124" y="900137"/>
-                  </a:lnTo>
-                  <a:lnTo>
-                    <a:pt x="155285" y="862891"/>
-                  </a:lnTo>
-                  <a:lnTo>
-                    <a:pt x="159696" y="815869"/>
-                  </a:lnTo>
-                  <a:lnTo>
-                    <a:pt x="166939" y="769727"/>
-                  </a:lnTo>
-                  <a:lnTo>
-                    <a:pt x="176925" y="724553"/>
-                  </a:lnTo>
-                  <a:lnTo>
-                    <a:pt x="189564" y="680437"/>
-                  </a:lnTo>
-                  <a:lnTo>
-                    <a:pt x="204769" y="637465"/>
-                  </a:lnTo>
-                  <a:lnTo>
-                    <a:pt x="222450" y="595727"/>
-                  </a:lnTo>
-                  <a:lnTo>
-                    <a:pt x="242518" y="555311"/>
-                  </a:lnTo>
-                  <a:lnTo>
-                    <a:pt x="264884" y="516306"/>
-                  </a:lnTo>
-                  <a:lnTo>
-                    <a:pt x="289458" y="478800"/>
-                  </a:lnTo>
-                  <a:lnTo>
-                    <a:pt x="316153" y="442882"/>
-                  </a:lnTo>
-                  <a:lnTo>
-                    <a:pt x="344880" y="408640"/>
-                  </a:lnTo>
-                  <a:lnTo>
-                    <a:pt x="375548" y="376162"/>
-                  </a:lnTo>
-                  <a:lnTo>
-                    <a:pt x="408069" y="345538"/>
-                  </a:lnTo>
-                  <a:lnTo>
-                    <a:pt x="442355" y="316855"/>
-                  </a:lnTo>
-                  <a:lnTo>
-                    <a:pt x="478316" y="290202"/>
-                  </a:lnTo>
-                  <a:lnTo>
-                    <a:pt x="515863" y="265667"/>
-                  </a:lnTo>
-                  <a:lnTo>
-                    <a:pt x="554907" y="243339"/>
-                  </a:lnTo>
-                  <a:lnTo>
-                    <a:pt x="595360" y="223307"/>
-                  </a:lnTo>
-                  <a:lnTo>
-                    <a:pt x="637132" y="205659"/>
-                  </a:lnTo>
-                  <a:lnTo>
-                    <a:pt x="680135" y="190483"/>
-                  </a:lnTo>
-                  <a:lnTo>
-                    <a:pt x="724278" y="177868"/>
-                  </a:lnTo>
-                  <a:lnTo>
-                    <a:pt x="769475" y="167902"/>
-                  </a:lnTo>
-                  <a:lnTo>
-                    <a:pt x="815634" y="160674"/>
-                  </a:lnTo>
-                  <a:lnTo>
-                    <a:pt x="862668" y="156273"/>
-                  </a:lnTo>
-                  <a:lnTo>
-                    <a:pt x="910488" y="154786"/>
-                  </a:lnTo>
-                  <a:lnTo>
-                    <a:pt x="1418268" y="154786"/>
-                  </a:lnTo>
-                  <a:lnTo>
-                    <a:pt x="1396328" y="140166"/>
-                  </a:lnTo>
-                  <a:lnTo>
-                    <a:pt x="1357335" y="116893"/>
-                  </a:lnTo>
-                  <a:lnTo>
-                    <a:pt x="1317119" y="95537"/>
-                  </a:lnTo>
-                  <a:lnTo>
-                    <a:pt x="1275741" y="76160"/>
-                  </a:lnTo>
-                  <a:lnTo>
-                    <a:pt x="1233265" y="58826"/>
-                  </a:lnTo>
-                  <a:lnTo>
-                    <a:pt x="1189754" y="43598"/>
-                  </a:lnTo>
-                  <a:lnTo>
-                    <a:pt x="1145272" y="30540"/>
-                  </a:lnTo>
-                  <a:lnTo>
-                    <a:pt x="1099880" y="19714"/>
-                  </a:lnTo>
-                  <a:lnTo>
-                    <a:pt x="1053643" y="11184"/>
-                  </a:lnTo>
-                  <a:lnTo>
-                    <a:pt x="1006623" y="5012"/>
-                  </a:lnTo>
-                  <a:lnTo>
-                    <a:pt x="958884" y="1263"/>
-                  </a:lnTo>
-                  <a:lnTo>
-                    <a:pt x="910488" y="0"/>
-                  </a:lnTo>
-                  <a:close/>
-                </a:path>
-                <a:path w="1819275" h="900429">
-                  <a:moveTo>
-                    <a:pt x="1418268" y="154786"/>
-                  </a:moveTo>
-                  <a:lnTo>
-                    <a:pt x="910488" y="154786"/>
-                  </a:lnTo>
-                  <a:lnTo>
-                    <a:pt x="958308" y="156273"/>
-                  </a:lnTo>
-                  <a:lnTo>
-                    <a:pt x="1005343" y="160674"/>
-                  </a:lnTo>
-                  <a:lnTo>
-                    <a:pt x="1051504" y="167902"/>
-                  </a:lnTo>
-                  <a:lnTo>
-                    <a:pt x="1096700" y="177868"/>
-                  </a:lnTo>
-                  <a:lnTo>
-                    <a:pt x="1140845" y="190483"/>
-                  </a:lnTo>
-                  <a:lnTo>
-                    <a:pt x="1183848" y="205659"/>
-                  </a:lnTo>
-                  <a:lnTo>
-                    <a:pt x="1225620" y="223307"/>
-                  </a:lnTo>
-                  <a:lnTo>
-                    <a:pt x="1266073" y="243339"/>
-                  </a:lnTo>
-                  <a:lnTo>
-                    <a:pt x="1305117" y="265667"/>
-                  </a:lnTo>
-                  <a:lnTo>
-                    <a:pt x="1342665" y="290202"/>
-                  </a:lnTo>
-                  <a:lnTo>
-                    <a:pt x="1378626" y="316855"/>
-                  </a:lnTo>
-                  <a:lnTo>
-                    <a:pt x="1412911" y="345538"/>
-                  </a:lnTo>
-                  <a:lnTo>
-                    <a:pt x="1445432" y="376162"/>
-                  </a:lnTo>
-                  <a:lnTo>
-                    <a:pt x="1476101" y="408640"/>
-                  </a:lnTo>
-                  <a:lnTo>
-                    <a:pt x="1504826" y="442882"/>
-                  </a:lnTo>
-                  <a:lnTo>
-                    <a:pt x="1531521" y="478800"/>
-                  </a:lnTo>
-                  <a:lnTo>
-                    <a:pt x="1556096" y="516306"/>
-                  </a:lnTo>
-                  <a:lnTo>
-                    <a:pt x="1578461" y="555311"/>
-                  </a:lnTo>
-                  <a:lnTo>
-                    <a:pt x="1598529" y="595727"/>
-                  </a:lnTo>
-                  <a:lnTo>
-                    <a:pt x="1616209" y="637465"/>
-                  </a:lnTo>
-                  <a:lnTo>
-                    <a:pt x="1631414" y="680437"/>
-                  </a:lnTo>
-                  <a:lnTo>
-                    <a:pt x="1644054" y="724553"/>
-                  </a:lnTo>
-                  <a:lnTo>
-                    <a:pt x="1654039" y="769727"/>
-                  </a:lnTo>
-                  <a:lnTo>
-                    <a:pt x="1661282" y="815869"/>
-                  </a:lnTo>
-                  <a:lnTo>
-                    <a:pt x="1665693" y="862891"/>
-                  </a:lnTo>
-                  <a:lnTo>
-                    <a:pt x="1666854" y="900137"/>
-                  </a:lnTo>
-                  <a:lnTo>
-                    <a:pt x="1818999" y="900137"/>
-                  </a:lnTo>
-                  <a:lnTo>
-                    <a:pt x="1818999" y="840661"/>
-                  </a:lnTo>
-                  <a:lnTo>
-                    <a:pt x="1816957" y="814707"/>
-                  </a:lnTo>
-                  <a:lnTo>
-                    <a:pt x="1810785" y="767749"/>
-                  </a:lnTo>
-                  <a:lnTo>
-                    <a:pt x="1802254" y="721571"/>
-                  </a:lnTo>
-                  <a:lnTo>
-                    <a:pt x="1791426" y="676234"/>
-                  </a:lnTo>
-                  <a:lnTo>
-                    <a:pt x="1778365" y="631801"/>
-                  </a:lnTo>
-                  <a:lnTo>
-                    <a:pt x="1763133" y="588337"/>
-                  </a:lnTo>
-                  <a:lnTo>
-                    <a:pt x="1745794" y="545904"/>
-                  </a:lnTo>
-                  <a:lnTo>
-                    <a:pt x="1726412" y="504566"/>
-                  </a:lnTo>
-                  <a:lnTo>
-                    <a:pt x="1705048" y="464386"/>
-                  </a:lnTo>
-                  <a:lnTo>
-                    <a:pt x="1681766" y="425426"/>
-                  </a:lnTo>
-                  <a:lnTo>
-                    <a:pt x="1656629" y="387751"/>
-                  </a:lnTo>
-                  <a:lnTo>
-                    <a:pt x="1629701" y="351423"/>
-                  </a:lnTo>
-                  <a:lnTo>
-                    <a:pt x="1601043" y="316506"/>
-                  </a:lnTo>
-                  <a:lnTo>
-                    <a:pt x="1570720" y="283062"/>
-                  </a:lnTo>
-                  <a:lnTo>
-                    <a:pt x="1538795" y="251156"/>
-                  </a:lnTo>
-                  <a:lnTo>
-                    <a:pt x="1505330" y="220850"/>
-                  </a:lnTo>
-                  <a:lnTo>
-                    <a:pt x="1470388" y="192207"/>
-                  </a:lnTo>
-                  <a:lnTo>
-                    <a:pt x="1434033" y="165291"/>
-                  </a:lnTo>
-                  <a:lnTo>
-                    <a:pt x="1418268" y="154786"/>
-                  </a:lnTo>
-                  <a:close/>
-                </a:path>
-              </a:pathLst>
-            </a:custGeom>
-            <a:solidFill>
-              <a:srgbClr val="DA622E"/>
-            </a:solidFill>
-          </p:spPr>
-          <p:txBody>
-            <a:bodyPr wrap="square" lIns="0" tIns="0" rIns="0" bIns="0" rtlCol="0"/>
-            <a:lstStyle/>
-            <a:p>
-              <a:endParaRPr/>
-            </a:p>
-          </p:txBody>
-        </p:sp>
-        <p:sp>
-          <p:nvSpPr>
-            <p:cNvPr id="4" name="object 4"/>
-            <p:cNvSpPr/>
-            <p:nvPr/>
-          </p:nvSpPr>
-          <p:spPr>
-            <a:xfrm>
-              <a:off x="720059" y="9774180"/>
-              <a:ext cx="1047750" cy="513080"/>
-            </a:xfrm>
-            <a:custGeom>
-              <a:avLst/>
-              <a:gdLst/>
-              <a:ahLst/>
-              <a:cxnLst/>
-              <a:rect l="l" t="t" r="r" b="b"/>
-              <a:pathLst>
-                <a:path w="1047750" h="513079">
-                  <a:moveTo>
-                    <a:pt x="522913" y="0"/>
-                  </a:moveTo>
-                  <a:lnTo>
-                    <a:pt x="475219" y="2142"/>
-                  </a:lnTo>
-                  <a:lnTo>
-                    <a:pt x="428736" y="8445"/>
-                  </a:lnTo>
-                  <a:lnTo>
-                    <a:pt x="383646" y="18724"/>
-                  </a:lnTo>
-                  <a:lnTo>
-                    <a:pt x="340134" y="32794"/>
-                  </a:lnTo>
-                  <a:lnTo>
-                    <a:pt x="298383" y="50470"/>
-                  </a:lnTo>
-                  <a:lnTo>
-                    <a:pt x="258578" y="71566"/>
-                  </a:lnTo>
-                  <a:lnTo>
-                    <a:pt x="220901" y="95897"/>
-                  </a:lnTo>
-                  <a:lnTo>
-                    <a:pt x="185537" y="123278"/>
-                  </a:lnTo>
-                  <a:lnTo>
-                    <a:pt x="152669" y="153524"/>
-                  </a:lnTo>
-                  <a:lnTo>
-                    <a:pt x="122480" y="186450"/>
-                  </a:lnTo>
-                  <a:lnTo>
-                    <a:pt x="95156" y="221870"/>
-                  </a:lnTo>
-                  <a:lnTo>
-                    <a:pt x="70878" y="259599"/>
-                  </a:lnTo>
-                  <a:lnTo>
-                    <a:pt x="49832" y="299453"/>
-                  </a:lnTo>
-                  <a:lnTo>
-                    <a:pt x="32200" y="341246"/>
-                  </a:lnTo>
-                  <a:lnTo>
-                    <a:pt x="18167" y="384792"/>
-                  </a:lnTo>
-                  <a:lnTo>
-                    <a:pt x="7916" y="429908"/>
-                  </a:lnTo>
-                  <a:lnTo>
-                    <a:pt x="1630" y="476406"/>
-                  </a:lnTo>
-                  <a:lnTo>
-                    <a:pt x="0" y="512817"/>
-                  </a:lnTo>
-                  <a:lnTo>
-                    <a:pt x="186728" y="512817"/>
-                  </a:lnTo>
-                  <a:lnTo>
-                    <a:pt x="189048" y="478456"/>
-                  </a:lnTo>
-                  <a:lnTo>
-                    <a:pt x="198025" y="434654"/>
-                  </a:lnTo>
-                  <a:lnTo>
-                    <a:pt x="212492" y="393101"/>
-                  </a:lnTo>
-                  <a:lnTo>
-                    <a:pt x="232044" y="354203"/>
-                  </a:lnTo>
-                  <a:lnTo>
-                    <a:pt x="256276" y="318364"/>
-                  </a:lnTo>
-                  <a:lnTo>
-                    <a:pt x="284782" y="285991"/>
-                  </a:lnTo>
-                  <a:lnTo>
-                    <a:pt x="317158" y="257486"/>
-                  </a:lnTo>
-                  <a:lnTo>
-                    <a:pt x="353000" y="233256"/>
-                  </a:lnTo>
-                  <a:lnTo>
-                    <a:pt x="391901" y="213706"/>
-                  </a:lnTo>
-                  <a:lnTo>
-                    <a:pt x="433457" y="199240"/>
-                  </a:lnTo>
-                  <a:lnTo>
-                    <a:pt x="477262" y="190263"/>
-                  </a:lnTo>
-                  <a:lnTo>
-                    <a:pt x="522913" y="187181"/>
-                  </a:lnTo>
-                  <a:lnTo>
-                    <a:pt x="924993" y="187181"/>
-                  </a:lnTo>
-                  <a:lnTo>
-                    <a:pt x="924427" y="186450"/>
-                  </a:lnTo>
-                  <a:lnTo>
-                    <a:pt x="894151" y="153524"/>
-                  </a:lnTo>
-                  <a:lnTo>
-                    <a:pt x="861189" y="123278"/>
-                  </a:lnTo>
-                  <a:lnTo>
-                    <a:pt x="825725" y="95897"/>
-                  </a:lnTo>
-                  <a:lnTo>
-                    <a:pt x="787943" y="71566"/>
-                  </a:lnTo>
-                  <a:lnTo>
-                    <a:pt x="748028" y="50470"/>
-                  </a:lnTo>
-                  <a:lnTo>
-                    <a:pt x="706165" y="32794"/>
-                  </a:lnTo>
-                  <a:lnTo>
-                    <a:pt x="662537" y="18724"/>
-                  </a:lnTo>
-                  <a:lnTo>
-                    <a:pt x="617330" y="8445"/>
-                  </a:lnTo>
-                  <a:lnTo>
-                    <a:pt x="570727" y="2142"/>
-                  </a:lnTo>
-                  <a:lnTo>
-                    <a:pt x="522913" y="0"/>
-                  </a:lnTo>
-                  <a:close/>
-                </a:path>
-                <a:path w="1047750" h="513079">
-                  <a:moveTo>
-                    <a:pt x="924993" y="187181"/>
-                  </a:moveTo>
-                  <a:lnTo>
-                    <a:pt x="522913" y="187181"/>
-                  </a:lnTo>
-                  <a:lnTo>
-                    <a:pt x="568730" y="190263"/>
-                  </a:lnTo>
-                  <a:lnTo>
-                    <a:pt x="612674" y="199240"/>
-                  </a:lnTo>
-                  <a:lnTo>
-                    <a:pt x="654343" y="213706"/>
-                  </a:lnTo>
-                  <a:lnTo>
-                    <a:pt x="693335" y="233256"/>
-                  </a:lnTo>
-                  <a:lnTo>
-                    <a:pt x="729247" y="257486"/>
-                  </a:lnTo>
-                  <a:lnTo>
-                    <a:pt x="761676" y="285991"/>
-                  </a:lnTo>
-                  <a:lnTo>
-                    <a:pt x="790220" y="318364"/>
-                  </a:lnTo>
-                  <a:lnTo>
-                    <a:pt x="814477" y="354203"/>
-                  </a:lnTo>
-                  <a:lnTo>
-                    <a:pt x="834044" y="393101"/>
-                  </a:lnTo>
-                  <a:lnTo>
-                    <a:pt x="848519" y="434654"/>
-                  </a:lnTo>
-                  <a:lnTo>
-                    <a:pt x="857499" y="478456"/>
-                  </a:lnTo>
-                  <a:lnTo>
-                    <a:pt x="859820" y="512817"/>
-                  </a:lnTo>
-                  <a:lnTo>
-                    <a:pt x="1047273" y="512817"/>
-                  </a:lnTo>
-                  <a:lnTo>
-                    <a:pt x="1039333" y="429908"/>
-                  </a:lnTo>
-                  <a:lnTo>
-                    <a:pt x="1029050" y="384792"/>
-                  </a:lnTo>
-                  <a:lnTo>
-                    <a:pt x="1014974" y="341246"/>
-                  </a:lnTo>
-                  <a:lnTo>
-                    <a:pt x="997289" y="299453"/>
-                  </a:lnTo>
-                  <a:lnTo>
-                    <a:pt x="976180" y="259599"/>
-                  </a:lnTo>
-                  <a:lnTo>
-                    <a:pt x="951831" y="221870"/>
-                  </a:lnTo>
-                  <a:lnTo>
-                    <a:pt x="924993" y="187181"/>
-                  </a:lnTo>
-                  <a:close/>
-                </a:path>
-              </a:pathLst>
-            </a:custGeom>
-            <a:solidFill>
-              <a:srgbClr val="FFA900"/>
-            </a:solidFill>
-          </p:spPr>
-          <p:txBody>
-            <a:bodyPr wrap="square" lIns="0" tIns="0" rIns="0" bIns="0" rtlCol="0"/>
-            <a:lstStyle/>
-            <a:p>
-              <a:endParaRPr/>
-            </a:p>
-          </p:txBody>
-        </p:sp>
-      </p:grpSp>
-      <p:sp>
-        <p:nvSpPr>
-          <p:cNvPr id="5" name="object 5"/>
-          <p:cNvSpPr/>
-          <p:nvPr/>
-        </p:nvSpPr>
-        <p:spPr>
-          <a:xfrm>
-            <a:off x="16671545" y="9233409"/>
-            <a:ext cx="836930" cy="832485"/>
-          </a:xfrm>
-          <a:custGeom>
-            <a:avLst/>
-            <a:gdLst/>
-            <a:ahLst/>
-            <a:cxnLst/>
-            <a:rect l="l" t="t" r="r" b="b"/>
-            <a:pathLst>
-              <a:path w="836930" h="832484">
-                <a:moveTo>
-                  <a:pt x="418211" y="0"/>
-                </a:moveTo>
-                <a:lnTo>
-                  <a:pt x="369548" y="2813"/>
-                </a:lnTo>
-                <a:lnTo>
-                  <a:pt x="322505" y="11043"/>
-                </a:lnTo>
-                <a:lnTo>
-                  <a:pt x="277401" y="24377"/>
-                </a:lnTo>
-                <a:lnTo>
-                  <a:pt x="234551" y="42502"/>
-                </a:lnTo>
-                <a:lnTo>
-                  <a:pt x="194275" y="65104"/>
-                </a:lnTo>
-                <a:lnTo>
-                  <a:pt x="156890" y="91870"/>
-                </a:lnTo>
-                <a:lnTo>
-                  <a:pt x="122713" y="122487"/>
-                </a:lnTo>
-                <a:lnTo>
-                  <a:pt x="92063" y="156642"/>
-                </a:lnTo>
-                <a:lnTo>
-                  <a:pt x="65256" y="194021"/>
-                </a:lnTo>
-                <a:lnTo>
-                  <a:pt x="42611" y="234311"/>
-                </a:lnTo>
-                <a:lnTo>
-                  <a:pt x="24445" y="277199"/>
-                </a:lnTo>
-                <a:lnTo>
-                  <a:pt x="11076" y="322371"/>
-                </a:lnTo>
-                <a:lnTo>
-                  <a:pt x="2822" y="369515"/>
-                </a:lnTo>
-                <a:lnTo>
-                  <a:pt x="0" y="418316"/>
-                </a:lnTo>
-                <a:lnTo>
-                  <a:pt x="2822" y="466984"/>
-                </a:lnTo>
-                <a:lnTo>
-                  <a:pt x="11076" y="514034"/>
-                </a:lnTo>
-                <a:lnTo>
-                  <a:pt x="24445" y="559148"/>
-                </a:lnTo>
-                <a:lnTo>
-                  <a:pt x="42611" y="602007"/>
-                </a:lnTo>
-                <a:lnTo>
-                  <a:pt x="65256" y="642293"/>
-                </a:lnTo>
-                <a:lnTo>
-                  <a:pt x="92063" y="679689"/>
-                </a:lnTo>
-                <a:lnTo>
-                  <a:pt x="122713" y="713876"/>
-                </a:lnTo>
-                <a:lnTo>
-                  <a:pt x="156890" y="744537"/>
-                </a:lnTo>
-                <a:lnTo>
-                  <a:pt x="194275" y="771354"/>
-                </a:lnTo>
-                <a:lnTo>
-                  <a:pt x="234551" y="794007"/>
-                </a:lnTo>
-                <a:lnTo>
-                  <a:pt x="277401" y="812180"/>
-                </a:lnTo>
-                <a:lnTo>
-                  <a:pt x="322505" y="825555"/>
-                </a:lnTo>
-                <a:lnTo>
-                  <a:pt x="361048" y="832321"/>
-                </a:lnTo>
-                <a:lnTo>
-                  <a:pt x="475535" y="832321"/>
-                </a:lnTo>
-                <a:lnTo>
-                  <a:pt x="514163" y="825555"/>
-                </a:lnTo>
-                <a:lnTo>
-                  <a:pt x="559338" y="812180"/>
-                </a:lnTo>
-                <a:lnTo>
-                  <a:pt x="602228" y="794007"/>
-                </a:lnTo>
-                <a:lnTo>
-                  <a:pt x="642520" y="771354"/>
-                </a:lnTo>
-                <a:lnTo>
-                  <a:pt x="679901" y="744537"/>
-                </a:lnTo>
-                <a:lnTo>
-                  <a:pt x="714057" y="713876"/>
-                </a:lnTo>
-                <a:lnTo>
-                  <a:pt x="737594" y="687595"/>
-                </a:lnTo>
-                <a:lnTo>
-                  <a:pt x="418211" y="687595"/>
-                </a:lnTo>
-                <a:lnTo>
-                  <a:pt x="369909" y="683244"/>
-                </a:lnTo>
-                <a:lnTo>
-                  <a:pt x="324410" y="670703"/>
-                </a:lnTo>
-                <a:lnTo>
-                  <a:pt x="282480" y="650743"/>
-                </a:lnTo>
-                <a:lnTo>
-                  <a:pt x="244891" y="624134"/>
-                </a:lnTo>
-                <a:lnTo>
-                  <a:pt x="212411" y="591646"/>
-                </a:lnTo>
-                <a:lnTo>
-                  <a:pt x="185810" y="554050"/>
-                </a:lnTo>
-                <a:lnTo>
-                  <a:pt x="165856" y="512116"/>
-                </a:lnTo>
-                <a:lnTo>
-                  <a:pt x="153320" y="466615"/>
-                </a:lnTo>
-                <a:lnTo>
-                  <a:pt x="148971" y="418316"/>
-                </a:lnTo>
-                <a:lnTo>
-                  <a:pt x="153320" y="369804"/>
-                </a:lnTo>
-                <a:lnTo>
-                  <a:pt x="165856" y="324136"/>
-                </a:lnTo>
-                <a:lnTo>
-                  <a:pt x="185810" y="282077"/>
-                </a:lnTo>
-                <a:lnTo>
-                  <a:pt x="212411" y="244391"/>
-                </a:lnTo>
-                <a:lnTo>
-                  <a:pt x="244891" y="211843"/>
-                </a:lnTo>
-                <a:lnTo>
-                  <a:pt x="282480" y="185197"/>
-                </a:lnTo>
-                <a:lnTo>
-                  <a:pt x="324410" y="165217"/>
-                </a:lnTo>
-                <a:lnTo>
-                  <a:pt x="369909" y="152669"/>
-                </a:lnTo>
-                <a:lnTo>
-                  <a:pt x="418211" y="148316"/>
-                </a:lnTo>
-                <a:lnTo>
-                  <a:pt x="737212" y="148316"/>
-                </a:lnTo>
-                <a:lnTo>
-                  <a:pt x="714057" y="122487"/>
-                </a:lnTo>
-                <a:lnTo>
-                  <a:pt x="679901" y="91870"/>
-                </a:lnTo>
-                <a:lnTo>
-                  <a:pt x="642520" y="65104"/>
-                </a:lnTo>
-                <a:lnTo>
-                  <a:pt x="602228" y="42502"/>
-                </a:lnTo>
-                <a:lnTo>
-                  <a:pt x="559338" y="24377"/>
-                </a:lnTo>
-                <a:lnTo>
-                  <a:pt x="514163" y="11043"/>
-                </a:lnTo>
-                <a:lnTo>
-                  <a:pt x="467016" y="2813"/>
-                </a:lnTo>
-                <a:lnTo>
-                  <a:pt x="418211" y="0"/>
-                </a:lnTo>
-                <a:close/>
-              </a:path>
-              <a:path w="836930" h="832484">
-                <a:moveTo>
-                  <a:pt x="737212" y="148316"/>
-                </a:moveTo>
-                <a:lnTo>
-                  <a:pt x="418211" y="148316"/>
-                </a:lnTo>
-                <a:lnTo>
-                  <a:pt x="466738" y="152669"/>
-                </a:lnTo>
-                <a:lnTo>
-                  <a:pt x="512415" y="165217"/>
-                </a:lnTo>
-                <a:lnTo>
-                  <a:pt x="554477" y="185197"/>
-                </a:lnTo>
-                <a:lnTo>
-                  <a:pt x="592161" y="211843"/>
-                </a:lnTo>
-                <a:lnTo>
-                  <a:pt x="624705" y="244391"/>
-                </a:lnTo>
-                <a:lnTo>
-                  <a:pt x="651345" y="282077"/>
-                </a:lnTo>
-                <a:lnTo>
-                  <a:pt x="671318" y="324136"/>
-                </a:lnTo>
-                <a:lnTo>
-                  <a:pt x="683862" y="369804"/>
-                </a:lnTo>
-                <a:lnTo>
-                  <a:pt x="688213" y="418316"/>
-                </a:lnTo>
-                <a:lnTo>
-                  <a:pt x="683862" y="466615"/>
-                </a:lnTo>
-                <a:lnTo>
-                  <a:pt x="671318" y="512116"/>
-                </a:lnTo>
-                <a:lnTo>
-                  <a:pt x="651345" y="554050"/>
-                </a:lnTo>
-                <a:lnTo>
-                  <a:pt x="624705" y="591646"/>
-                </a:lnTo>
-                <a:lnTo>
-                  <a:pt x="592161" y="624134"/>
-                </a:lnTo>
-                <a:lnTo>
-                  <a:pt x="554477" y="650743"/>
-                </a:lnTo>
-                <a:lnTo>
-                  <a:pt x="512415" y="670703"/>
-                </a:lnTo>
-                <a:lnTo>
-                  <a:pt x="466738" y="683244"/>
-                </a:lnTo>
-                <a:lnTo>
-                  <a:pt x="418211" y="687595"/>
-                </a:lnTo>
-                <a:lnTo>
-                  <a:pt x="737594" y="687595"/>
-                </a:lnTo>
-                <a:lnTo>
-                  <a:pt x="771443" y="642293"/>
-                </a:lnTo>
-                <a:lnTo>
-                  <a:pt x="794045" y="602007"/>
-                </a:lnTo>
-                <a:lnTo>
-                  <a:pt x="812171" y="559148"/>
-                </a:lnTo>
-                <a:lnTo>
-                  <a:pt x="825505" y="514034"/>
-                </a:lnTo>
-                <a:lnTo>
-                  <a:pt x="833735" y="466984"/>
-                </a:lnTo>
-                <a:lnTo>
-                  <a:pt x="836549" y="418316"/>
-                </a:lnTo>
-                <a:lnTo>
-                  <a:pt x="833735" y="369515"/>
-                </a:lnTo>
-                <a:lnTo>
-                  <a:pt x="825505" y="322371"/>
-                </a:lnTo>
-                <a:lnTo>
-                  <a:pt x="812171" y="277199"/>
-                </a:lnTo>
-                <a:lnTo>
-                  <a:pt x="794045" y="234311"/>
-                </a:lnTo>
-                <a:lnTo>
-                  <a:pt x="771443" y="194021"/>
-                </a:lnTo>
-                <a:lnTo>
-                  <a:pt x="744675" y="156642"/>
-                </a:lnTo>
-                <a:lnTo>
-                  <a:pt x="737212" y="148316"/>
-                </a:lnTo>
-                <a:close/>
-              </a:path>
-            </a:pathLst>
-          </a:custGeom>
-          <a:solidFill>
-            <a:srgbClr val="DA622E"/>
-          </a:solidFill>
-        </p:spPr>
-        <p:txBody>
-          <a:bodyPr wrap="square" lIns="0" tIns="0" rIns="0" bIns="0" rtlCol="0"/>
-          <a:lstStyle/>
-          <a:p>
-            <a:endParaRPr/>
-          </a:p>
-        </p:txBody>
-      </p:sp>
-      <p:sp>
-        <p:nvSpPr>
-          <p:cNvPr id="6" name="object 6"/>
-          <p:cNvSpPr/>
-          <p:nvPr/>
-        </p:nvSpPr>
-        <p:spPr>
-          <a:xfrm>
-            <a:off x="279360" y="637362"/>
-            <a:ext cx="498475" cy="498475"/>
-          </a:xfrm>
-          <a:custGeom>
-            <a:avLst/>
-            <a:gdLst/>
-            <a:ahLst/>
-            <a:cxnLst/>
-            <a:rect l="l" t="t" r="r" b="b"/>
-            <a:pathLst>
-              <a:path w="498475" h="498475">
-                <a:moveTo>
-                  <a:pt x="285120" y="0"/>
-                </a:moveTo>
-                <a:lnTo>
-                  <a:pt x="213841" y="0"/>
-                </a:lnTo>
-                <a:lnTo>
-                  <a:pt x="213841" y="162712"/>
-                </a:lnTo>
-                <a:lnTo>
-                  <a:pt x="98638" y="47523"/>
-                </a:lnTo>
-                <a:lnTo>
-                  <a:pt x="48239" y="97917"/>
-                </a:lnTo>
-                <a:lnTo>
-                  <a:pt x="163437" y="213118"/>
-                </a:lnTo>
-                <a:lnTo>
-                  <a:pt x="0" y="213118"/>
-                </a:lnTo>
-                <a:lnTo>
-                  <a:pt x="0" y="284391"/>
-                </a:lnTo>
-                <a:lnTo>
-                  <a:pt x="163437" y="284391"/>
-                </a:lnTo>
-                <a:lnTo>
-                  <a:pt x="48239" y="399592"/>
-                </a:lnTo>
-                <a:lnTo>
-                  <a:pt x="98638" y="449999"/>
-                </a:lnTo>
-                <a:lnTo>
-                  <a:pt x="213841" y="334797"/>
-                </a:lnTo>
-                <a:lnTo>
-                  <a:pt x="213841" y="498233"/>
-                </a:lnTo>
-                <a:lnTo>
-                  <a:pt x="285120" y="498233"/>
-                </a:lnTo>
-                <a:lnTo>
-                  <a:pt x="285120" y="334797"/>
-                </a:lnTo>
-                <a:lnTo>
-                  <a:pt x="400317" y="449999"/>
-                </a:lnTo>
-                <a:lnTo>
-                  <a:pt x="450715" y="399592"/>
-                </a:lnTo>
-                <a:lnTo>
-                  <a:pt x="335517" y="284391"/>
-                </a:lnTo>
-                <a:lnTo>
-                  <a:pt x="498236" y="284391"/>
-                </a:lnTo>
-                <a:lnTo>
-                  <a:pt x="498236" y="213118"/>
-                </a:lnTo>
-                <a:lnTo>
-                  <a:pt x="335517" y="213118"/>
-                </a:lnTo>
-                <a:lnTo>
-                  <a:pt x="450715" y="97917"/>
-                </a:lnTo>
-                <a:lnTo>
-                  <a:pt x="400317" y="47523"/>
-                </a:lnTo>
-                <a:lnTo>
-                  <a:pt x="285120" y="162712"/>
-                </a:lnTo>
-                <a:lnTo>
-                  <a:pt x="285120" y="0"/>
-                </a:lnTo>
-                <a:close/>
-              </a:path>
-            </a:pathLst>
-          </a:custGeom>
-          <a:solidFill>
-            <a:srgbClr val="DA622E"/>
-          </a:solidFill>
-        </p:spPr>
-        <p:txBody>
-          <a:bodyPr wrap="square" lIns="0" tIns="0" rIns="0" bIns="0" rtlCol="0"/>
-          <a:lstStyle/>
-          <a:p>
-            <a:endParaRPr/>
-          </a:p>
-        </p:txBody>
-      </p:sp>
-      <p:sp>
-        <p:nvSpPr>
-          <p:cNvPr id="7" name="object 7"/>
-          <p:cNvSpPr/>
-          <p:nvPr/>
-        </p:nvSpPr>
-        <p:spPr>
-          <a:xfrm>
-            <a:off x="17509618" y="8735174"/>
-            <a:ext cx="495934" cy="499109"/>
-          </a:xfrm>
-          <a:custGeom>
-            <a:avLst/>
-            <a:gdLst/>
-            <a:ahLst/>
-            <a:cxnLst/>
-            <a:rect l="l" t="t" r="r" b="b"/>
-            <a:pathLst>
-              <a:path w="495934" h="499109">
-                <a:moveTo>
-                  <a:pt x="495757" y="213829"/>
-                </a:moveTo>
-                <a:lnTo>
-                  <a:pt x="285115" y="213829"/>
-                </a:lnTo>
-                <a:lnTo>
-                  <a:pt x="285115" y="0"/>
-                </a:lnTo>
-                <a:lnTo>
-                  <a:pt x="213741" y="0"/>
-                </a:lnTo>
-                <a:lnTo>
-                  <a:pt x="213741" y="213829"/>
-                </a:lnTo>
-                <a:lnTo>
-                  <a:pt x="0" y="213829"/>
-                </a:lnTo>
-                <a:lnTo>
-                  <a:pt x="0" y="284391"/>
-                </a:lnTo>
-                <a:lnTo>
-                  <a:pt x="213741" y="284391"/>
-                </a:lnTo>
-                <a:lnTo>
-                  <a:pt x="213741" y="498957"/>
-                </a:lnTo>
-                <a:lnTo>
-                  <a:pt x="285115" y="498957"/>
-                </a:lnTo>
-                <a:lnTo>
-                  <a:pt x="285115" y="284391"/>
-                </a:lnTo>
-                <a:lnTo>
-                  <a:pt x="495757" y="284391"/>
-                </a:lnTo>
-                <a:lnTo>
-                  <a:pt x="495757" y="213829"/>
-                </a:lnTo>
-                <a:close/>
-              </a:path>
-            </a:pathLst>
-          </a:custGeom>
-          <a:solidFill>
-            <a:srgbClr val="FFA900"/>
-          </a:solidFill>
-        </p:spPr>
-        <p:txBody>
-          <a:bodyPr wrap="square" lIns="0" tIns="0" rIns="0" bIns="0" rtlCol="0"/>
-          <a:lstStyle/>
-          <a:p>
-            <a:endParaRPr/>
-          </a:p>
-        </p:txBody>
-      </p:sp>
-      <p:sp>
-        <p:nvSpPr>
-          <p:cNvPr id="8" name="object 8"/>
-          <p:cNvSpPr/>
-          <p:nvPr/>
-        </p:nvSpPr>
-        <p:spPr>
-          <a:xfrm>
-            <a:off x="614159" y="216878"/>
-            <a:ext cx="309880" cy="309880"/>
-          </a:xfrm>
-          <a:custGeom>
-            <a:avLst/>
-            <a:gdLst/>
-            <a:ahLst/>
-            <a:cxnLst/>
-            <a:rect l="l" t="t" r="r" b="b"/>
-            <a:pathLst>
-              <a:path w="309880" h="309880">
-                <a:moveTo>
-                  <a:pt x="154796" y="0"/>
-                </a:moveTo>
-                <a:lnTo>
-                  <a:pt x="106074" y="7874"/>
-                </a:lnTo>
-                <a:lnTo>
-                  <a:pt x="63606" y="29815"/>
-                </a:lnTo>
-                <a:lnTo>
-                  <a:pt x="30020" y="63299"/>
-                </a:lnTo>
-                <a:lnTo>
-                  <a:pt x="7942" y="105802"/>
-                </a:lnTo>
-                <a:lnTo>
-                  <a:pt x="0" y="154800"/>
-                </a:lnTo>
-                <a:lnTo>
-                  <a:pt x="7942" y="203525"/>
-                </a:lnTo>
-                <a:lnTo>
-                  <a:pt x="30020" y="245994"/>
-                </a:lnTo>
-                <a:lnTo>
-                  <a:pt x="63606" y="279580"/>
-                </a:lnTo>
-                <a:lnTo>
-                  <a:pt x="106074" y="301657"/>
-                </a:lnTo>
-                <a:lnTo>
-                  <a:pt x="154796" y="309600"/>
-                </a:lnTo>
-                <a:lnTo>
-                  <a:pt x="203796" y="301657"/>
-                </a:lnTo>
-                <a:lnTo>
-                  <a:pt x="246299" y="279580"/>
-                </a:lnTo>
-                <a:lnTo>
-                  <a:pt x="279782" y="245994"/>
-                </a:lnTo>
-                <a:lnTo>
-                  <a:pt x="301722" y="203525"/>
-                </a:lnTo>
-                <a:lnTo>
-                  <a:pt x="309596" y="154800"/>
-                </a:lnTo>
-                <a:lnTo>
-                  <a:pt x="301722" y="105802"/>
-                </a:lnTo>
-                <a:lnTo>
-                  <a:pt x="279782" y="63299"/>
-                </a:lnTo>
-                <a:lnTo>
-                  <a:pt x="246299" y="29815"/>
-                </a:lnTo>
-                <a:lnTo>
-                  <a:pt x="203796" y="7874"/>
-                </a:lnTo>
-                <a:lnTo>
-                  <a:pt x="154796" y="0"/>
-                </a:lnTo>
-                <a:close/>
-              </a:path>
-            </a:pathLst>
-          </a:custGeom>
-          <a:solidFill>
-            <a:srgbClr val="FFA900"/>
-          </a:solidFill>
-        </p:spPr>
-        <p:txBody>
-          <a:bodyPr wrap="square" lIns="0" tIns="0" rIns="0" bIns="0" rtlCol="0"/>
-          <a:lstStyle/>
-          <a:p>
-            <a:endParaRPr/>
-          </a:p>
-        </p:txBody>
-      </p:sp>
-      <p:sp>
-        <p:nvSpPr>
-          <p:cNvPr id="9" name="object 9"/>
-          <p:cNvSpPr txBox="1">
-            <a:spLocks noGrp="1"/>
-          </p:cNvSpPr>
-          <p:nvPr>
-            <p:ph type="title"/>
-          </p:nvPr>
-        </p:nvSpPr>
-        <p:spPr>
-          <a:xfrm>
             <a:off x="9223718" y="1237025"/>
             <a:ext cx="3610648" cy="754053"/>
           </a:xfrm>
@@ -10829,7 +8529,7 @@
 </p:sld>
 </file>
 
-<file path=ppt/slides/slide5.xml><?xml version="1.0" encoding="utf-8"?>
+<file path=ppt/slides/slide4.xml><?xml version="1.0" encoding="utf-8"?>
 <p:sld xmlns:a="http://schemas.openxmlformats.org/drawingml/2006/main" xmlns:r="http://schemas.openxmlformats.org/officeDocument/2006/relationships" xmlns:p="http://schemas.openxmlformats.org/presentationml/2006/main">
   <p:cSld>
     <p:spTree>
@@ -12953,7 +10653,7 @@
 </p:sld>
 </file>
 
-<file path=ppt/slides/slide6.xml><?xml version="1.0" encoding="utf-8"?>
+<file path=ppt/slides/slide5.xml><?xml version="1.0" encoding="utf-8"?>
 <p:sld xmlns:a="http://schemas.openxmlformats.org/drawingml/2006/main" xmlns:r="http://schemas.openxmlformats.org/officeDocument/2006/relationships" xmlns:p="http://schemas.openxmlformats.org/presentationml/2006/main">
   <p:cSld>
     <p:spTree>
@@ -14711,7 +12411,7 @@
 </p:sld>
 </file>
 
-<file path=ppt/slides/slide7.xml><?xml version="1.0" encoding="utf-8"?>
+<file path=ppt/slides/slide6.xml><?xml version="1.0" encoding="utf-8"?>
 <p:sld xmlns:a="http://schemas.openxmlformats.org/drawingml/2006/main" xmlns:r="http://schemas.openxmlformats.org/officeDocument/2006/relationships" xmlns:p="http://schemas.openxmlformats.org/presentationml/2006/main">
   <p:cSld>
     <p:spTree>
@@ -18126,7 +15826,7 @@
         <p:spPr>
           <a:xfrm>
             <a:off x="6254750" y="3778737"/>
-            <a:ext cx="5562600" cy="1859483"/>
+            <a:ext cx="5562600" cy="3090590"/>
           </a:xfrm>
           <a:prstGeom prst="rect">
             <a:avLst/>
@@ -18148,11 +15848,11 @@
             </a:pPr>
             <a:r>
               <a:rPr sz="10000" b="1" spc="220" dirty="0"/>
-              <a:t>Thanks</a:t>
+              <a:t>Thank</a:t>
             </a:r>
             <a:r>
-              <a:rPr sz="12000" spc="220" dirty="0"/>
-              <a:t>!</a:t>
+              <a:rPr lang="en-US" sz="10000" b="1" spc="220" dirty="0"/>
+              <a:t> You</a:t>
             </a:r>
             <a:endParaRPr sz="12000" dirty="0"/>
           </a:p>
